--- a/slides/L16 JUnit Assertion Methods & Best Practices.pptx
+++ b/slides/L16 JUnit Assertion Methods & Best Practices.pptx
@@ -14175,7 +14175,19 @@
                         <a:rPr lang="en-US" dirty="0">
                           <a:latin typeface="Candara" panose="020E0502030303020204" pitchFamily="34" charset="0"/>
                         </a:rPr>
-                        <a:t>@Test public void method()</a:t>
+                        <a:t>@Test </a:t>
+                      </a:r>
+                      <a:endParaRPr lang="en-US" dirty="0">
+                        <a:latin typeface="Candara" panose="020E0502030303020204" pitchFamily="34" charset="0"/>
+                      </a:endParaRPr>
+                    </a:p>
+                    <a:p>
+                      <a:pPr algn="l"/>
+                      <a:r>
+                        <a:rPr lang="en-US" dirty="0">
+                          <a:latin typeface="Candara" panose="020E0502030303020204" pitchFamily="34" charset="0"/>
+                        </a:rPr>
+                        <a:t>public void method()</a:t>
                       </a:r>
                       <a:endParaRPr lang="en-US" dirty="0">
                         <a:latin typeface="Candara" panose="020E0502030303020204" pitchFamily="34" charset="0"/>
@@ -14259,7 +14271,19 @@
                         <a:rPr lang="en-US" dirty="0">
                           <a:latin typeface="Candara" panose="020E0502030303020204" pitchFamily="34" charset="0"/>
                         </a:rPr>
-                        <a:t> public void method()</a:t>
+                        <a:t> </a:t>
+                      </a:r>
+                      <a:endParaRPr lang="en-US" dirty="0">
+                        <a:latin typeface="Candara" panose="020E0502030303020204" pitchFamily="34" charset="0"/>
+                      </a:endParaRPr>
+                    </a:p>
+                    <a:p>
+                      <a:pPr algn="l"/>
+                      <a:r>
+                        <a:rPr lang="en-US" dirty="0">
+                          <a:latin typeface="Candara" panose="020E0502030303020204" pitchFamily="34" charset="0"/>
+                        </a:rPr>
+                        <a:t>public void method()</a:t>
                       </a:r>
                       <a:endParaRPr lang="en-US" dirty="0">
                         <a:latin typeface="Candara" panose="020E0502030303020204" pitchFamily="34" charset="0"/>
@@ -14343,7 +14367,19 @@
                         <a:rPr lang="en-US" dirty="0">
                           <a:latin typeface="Candara" panose="020E0502030303020204" pitchFamily="34" charset="0"/>
                         </a:rPr>
-                        <a:t> public void method()</a:t>
+                        <a:t> </a:t>
+                      </a:r>
+                      <a:endParaRPr lang="en-US" dirty="0">
+                        <a:latin typeface="Candara" panose="020E0502030303020204" pitchFamily="34" charset="0"/>
+                      </a:endParaRPr>
+                    </a:p>
+                    <a:p>
+                      <a:pPr algn="l"/>
+                      <a:r>
+                        <a:rPr lang="en-US" dirty="0">
+                          <a:latin typeface="Candara" panose="020E0502030303020204" pitchFamily="34" charset="0"/>
+                        </a:rPr>
+                        <a:t>public void method()</a:t>
                       </a:r>
                       <a:endParaRPr lang="en-US" dirty="0">
                         <a:latin typeface="Candara" panose="020E0502030303020204" pitchFamily="34" charset="0"/>
@@ -14597,7 +14633,19 @@
                         <a:rPr lang="en-US" sz="1800" dirty="0">
                           <a:latin typeface="Candara" panose="020E0502030303020204" pitchFamily="34" charset="0"/>
                         </a:rPr>
-                        <a:t> public void method()</a:t>
+                        <a:t> </a:t>
+                      </a:r>
+                      <a:endParaRPr lang="en-US" sz="1800" dirty="0">
+                        <a:latin typeface="Candara" panose="020E0502030303020204" pitchFamily="34" charset="0"/>
+                      </a:endParaRPr>
+                    </a:p>
+                    <a:p>
+                      <a:pPr algn="l"/>
+                      <a:r>
+                        <a:rPr lang="en-US" sz="1800" dirty="0">
+                          <a:latin typeface="Candara" panose="020E0502030303020204" pitchFamily="34" charset="0"/>
+                        </a:rPr>
+                        <a:t>public void method()</a:t>
                       </a:r>
                       <a:endParaRPr lang="en-US" sz="1800" dirty="0">
                         <a:latin typeface="Candara" panose="020E0502030303020204" pitchFamily="34" charset="0"/>
@@ -14681,7 +14729,19 @@
                         <a:rPr lang="en-US" sz="1800" dirty="0">
                           <a:latin typeface="Candara" panose="020E0502030303020204" pitchFamily="34" charset="0"/>
                         </a:rPr>
-                        <a:t> public void method()</a:t>
+                        <a:t> </a:t>
+                      </a:r>
+                      <a:endParaRPr lang="en-US" sz="1800" dirty="0">
+                        <a:latin typeface="Candara" panose="020E0502030303020204" pitchFamily="34" charset="0"/>
+                      </a:endParaRPr>
+                    </a:p>
+                    <a:p>
+                      <a:pPr algn="l"/>
+                      <a:r>
+                        <a:rPr lang="en-US" sz="1800" dirty="0">
+                          <a:latin typeface="Candara" panose="020E0502030303020204" pitchFamily="34" charset="0"/>
+                        </a:rPr>
+                        <a:t>public void method()</a:t>
                       </a:r>
                       <a:endParaRPr lang="en-US" sz="1800" dirty="0">
                         <a:latin typeface="Candara" panose="020E0502030303020204" pitchFamily="34" charset="0"/>
@@ -16119,7 +16179,17 @@
                       </a:pPr>
                       <a:r>
                         <a:rPr lang="en-US"/>
-                        <a:t>public class BasicTestSuite {}</a:t>
+                        <a:t>public class BasicTestSuite {</a:t>
+                      </a:r>
+                      <a:endParaRPr lang="en-US"/>
+                    </a:p>
+                    <a:p>
+                      <a:pPr>
+                        <a:buNone/>
+                      </a:pPr>
+                      <a:r>
+                        <a:rPr lang="en-US"/>
+                        <a:t>}</a:t>
                       </a:r>
                       <a:endParaRPr lang="en-US"/>
                     </a:p>
